--- a/Economics2/0606Lecture3.pptx
+++ b/Economics2/0606Lecture3.pptx
@@ -5932,7 +5932,9 @@
         </p:nvSpPr>
         <p:spPr/>
         <p:txBody>
-          <a:bodyPr/>
+          <a:bodyPr>
+            <a:normAutofit lnSpcReduction="10000"/>
+          </a:bodyPr>
           <a:lstStyle/>
           <a:p>
             <a:pPr lvl="1">
@@ -6000,6 +6002,23 @@
                 <a:cs typeface="Times New Roman" pitchFamily="18" charset="0"/>
               </a:rPr>
               <a:t>のみが可変的</a:t>
+            </a:r>
+            <a:endParaRPr lang="en-US" altLang="ja-JP" sz="2400" dirty="0">
+              <a:latin typeface="Times New Roman" pitchFamily="18" charset="0"/>
+              <a:cs typeface="Times New Roman" pitchFamily="18" charset="0"/>
+            </a:endParaRPr>
+          </a:p>
+          <a:p>
+            <a:pPr lvl="1">
+              <a:buFont typeface="Wingdings" pitchFamily="2" charset="2"/>
+              <a:buNone/>
+            </a:pPr>
+            <a:r>
+              <a:rPr lang="ja-JP" altLang="en-US" sz="2400" dirty="0">
+                <a:latin typeface="Times New Roman" pitchFamily="18" charset="0"/>
+                <a:cs typeface="Times New Roman" pitchFamily="18" charset="0"/>
+              </a:rPr>
+              <a:t>→デフォルトの工場の規模は固定的、機械の投入、これは可変的</a:t>
             </a:r>
           </a:p>
           <a:p>
@@ -11016,12 +11035,21 @@
         </p:nvSpPr>
         <p:spPr/>
         <p:txBody>
-          <a:bodyPr/>
-          <a:lstStyle/>
-          <a:p>
-            <a:r>
-              <a:rPr lang="ja-JP" altLang="en-US"/>
+          <a:bodyPr>
+            <a:normAutofit fontScale="90000"/>
+          </a:bodyPr>
+          <a:lstStyle/>
+          <a:p>
+            <a:r>
+              <a:rPr lang="ja-JP" altLang="en-US" dirty="0"/>
               <a:t>生産における短期と長期</a:t>
+            </a:r>
+            <a:br>
+              <a:rPr lang="en-US" altLang="ja-JP" dirty="0"/>
+            </a:br>
+            <a:r>
+              <a:rPr lang="ja-JP" altLang="en-US" dirty="0"/>
+              <a:t>→時期の問題じゃない！！</a:t>
             </a:r>
           </a:p>
         </p:txBody>
@@ -11038,36 +11066,48 @@
         </p:nvSpPr>
         <p:spPr/>
         <p:txBody>
-          <a:bodyPr/>
-          <a:lstStyle/>
-          <a:p>
-            <a:r>
-              <a:rPr lang="ja-JP" altLang="en-US"/>
+          <a:bodyPr>
+            <a:normAutofit/>
+          </a:bodyPr>
+          <a:lstStyle/>
+          <a:p>
+            <a:r>
+              <a:rPr lang="ja-JP" altLang="en-US" dirty="0"/>
               <a:t>長期：全ての生産要素が可変的なケース</a:t>
             </a:r>
           </a:p>
           <a:p>
             <a:r>
-              <a:rPr lang="ja-JP" altLang="en-US"/>
+              <a:rPr lang="ja-JP" altLang="en-US" dirty="0"/>
               <a:t>短期：一部の生産要素の投入量を変更できない</a:t>
             </a:r>
           </a:p>
           <a:p>
             <a:pPr lvl="1"/>
             <a:r>
-              <a:rPr lang="ja-JP" altLang="en-US"/>
+              <a:rPr lang="ja-JP" altLang="en-US" dirty="0"/>
               <a:t>固定的生産要素の存在</a:t>
             </a:r>
-          </a:p>
-          <a:p>
-            <a:r>
-              <a:rPr lang="ja-JP" altLang="en-US"/>
+            <a:endParaRPr lang="en-US" altLang="ja-JP" dirty="0"/>
+          </a:p>
+          <a:p>
+            <a:pPr marL="457200" lvl="1" indent="0">
+              <a:buNone/>
+            </a:pPr>
+            <a:r>
+              <a:rPr lang="ja-JP" altLang="en-US" dirty="0"/>
+              <a:t>→労働投入量とか、機械設備</a:t>
+            </a:r>
+          </a:p>
+          <a:p>
+            <a:r>
+              <a:rPr lang="ja-JP" altLang="en-US" dirty="0"/>
               <a:t>現実の時間に即した概念ではない</a:t>
             </a:r>
           </a:p>
           <a:p>
             <a:r>
-              <a:rPr lang="ja-JP" altLang="en-US"/>
+              <a:rPr lang="ja-JP" altLang="en-US" dirty="0"/>
               <a:t>あくまでも生産要素の投入量の調整が行えるかどうか</a:t>
             </a:r>
           </a:p>
@@ -13093,12 +13133,55 @@
         </p:nvSpPr>
         <p:spPr/>
         <p:txBody>
-          <a:bodyPr/>
-          <a:lstStyle/>
-          <a:p>
-            <a:r>
-              <a:rPr lang="ja-JP" altLang="en-US"/>
+          <a:bodyPr>
+            <a:normAutofit fontScale="90000"/>
+          </a:bodyPr>
+          <a:lstStyle/>
+          <a:p>
+            <a:r>
+              <a:rPr lang="ja-JP" altLang="en-US" dirty="0"/>
               <a:t>短期限界費用，短期平均費用</a:t>
+            </a:r>
+            <a:br>
+              <a:rPr lang="en-US" altLang="ja-JP" dirty="0"/>
+            </a:br>
+            <a:r>
+              <a:rPr lang="ja-JP" altLang="en-US" dirty="0"/>
+              <a:t>→</a:t>
+            </a:r>
+            <a:r>
+              <a:rPr lang="en-US" altLang="ja-JP" dirty="0"/>
+              <a:t>AC-AVC = Average Fixed Cost</a:t>
+            </a:r>
+            <a:br>
+              <a:rPr lang="en-US" altLang="ja-JP" dirty="0"/>
+            </a:br>
+            <a:r>
+              <a:rPr lang="ja-JP" altLang="en-US" dirty="0"/>
+              <a:t>→</a:t>
+            </a:r>
+            <a:r>
+              <a:rPr lang="en-US" altLang="ja-JP" dirty="0"/>
+              <a:t>MC </a:t>
+            </a:r>
+            <a:r>
+              <a:rPr lang="ja-JP" altLang="en-US" dirty="0"/>
+              <a:t>は</a:t>
+            </a:r>
+            <a:r>
+              <a:rPr lang="en-US" altLang="ja-JP" dirty="0"/>
+              <a:t>AC,AVC</a:t>
+            </a:r>
+            <a:r>
+              <a:rPr lang="ja-JP" altLang="en-US" dirty="0"/>
+              <a:t>の最小点を突っ切る</a:t>
+            </a:r>
+            <a:br>
+              <a:rPr lang="en-US" altLang="ja-JP" dirty="0"/>
+            </a:br>
+            <a:r>
+              <a:rPr lang="ja-JP" altLang="en-US" dirty="0"/>
+              <a:t>→</a:t>
             </a:r>
           </a:p>
         </p:txBody>
@@ -14632,7 +14715,7 @@
           <a:lstStyle/>
           <a:p>
             <a:r>
-              <a:rPr lang="ja-JP" altLang="en-US"/>
+              <a:rPr lang="ja-JP" altLang="en-US" dirty="0"/>
               <a:t>短期費用曲線と長期費用曲線</a:t>
             </a:r>
           </a:p>
@@ -16064,7 +16147,7 @@
         <p:spPr bwMode="auto">
           <a:xfrm>
             <a:off x="5940425" y="4724400"/>
-            <a:ext cx="2735263" cy="779463"/>
+            <a:ext cx="2735263" cy="2169825"/>
           </a:xfrm>
           <a:prstGeom prst="rect">
             <a:avLst/>
@@ -16115,14 +16198,14 @@
               </a:spcBef>
             </a:pPr>
             <a:r>
-              <a:rPr lang="en-US" altLang="ja-JP" i="1">
+              <a:rPr lang="en-US" altLang="ja-JP" i="1" dirty="0">
                 <a:latin typeface="Times New Roman" pitchFamily="18" charset="0"/>
                 <a:cs typeface="Times New Roman" pitchFamily="18" charset="0"/>
               </a:rPr>
               <a:t>K</a:t>
             </a:r>
             <a:r>
-              <a:rPr lang="ja-JP" altLang="en-US"/>
+              <a:rPr lang="ja-JP" altLang="en-US" dirty="0"/>
               <a:t>を自由に調整できる時</a:t>
             </a:r>
           </a:p>
@@ -16133,9 +16216,30 @@
               </a:spcBef>
             </a:pPr>
             <a:r>
-              <a:rPr lang="ja-JP" altLang="en-US"/>
+              <a:rPr lang="ja-JP" altLang="en-US" dirty="0"/>
               <a:t>長期平均費用曲線</a:t>
             </a:r>
+            <a:endParaRPr lang="en-US" altLang="ja-JP" dirty="0"/>
+          </a:p>
+          <a:p>
+            <a:pPr>
+              <a:spcBef>
+                <a:spcPct val="50000"/>
+              </a:spcBef>
+            </a:pPr>
+            <a:r>
+              <a:rPr lang="ja-JP" altLang="en-US" dirty="0"/>
+              <a:t>→全ての生産費用が動かせる、最小費用をそれにより実現</a:t>
+            </a:r>
+            <a:endParaRPr lang="en-US" altLang="ja-JP" dirty="0"/>
+          </a:p>
+          <a:p>
+            <a:pPr>
+              <a:spcBef>
+                <a:spcPct val="50000"/>
+              </a:spcBef>
+            </a:pPr>
+            <a:endParaRPr lang="ja-JP" altLang="en-US" dirty="0"/>
           </a:p>
         </p:txBody>
       </p:sp>
@@ -16150,7 +16254,7 @@
         <p:spPr bwMode="auto">
           <a:xfrm>
             <a:off x="3203575" y="5445125"/>
-            <a:ext cx="2881313" cy="779463"/>
+            <a:ext cx="2881313" cy="1892826"/>
           </a:xfrm>
           <a:prstGeom prst="rect">
             <a:avLst/>
@@ -16201,7 +16305,7 @@
               </a:spcBef>
             </a:pPr>
             <a:r>
-              <a:rPr lang="ja-JP" altLang="en-US"/>
+              <a:rPr lang="ja-JP" altLang="en-US" dirty="0"/>
               <a:t>規模に関する収穫一定なら</a:t>
             </a:r>
           </a:p>
@@ -16212,9 +16316,38 @@
               </a:spcBef>
             </a:pPr>
             <a:r>
-              <a:rPr lang="ja-JP" altLang="en-US"/>
+              <a:rPr lang="ja-JP" altLang="en-US" dirty="0"/>
               <a:t>長期平均費用曲線は水平</a:t>
             </a:r>
+            <a:endParaRPr lang="en-US" altLang="ja-JP" dirty="0"/>
+          </a:p>
+          <a:p>
+            <a:pPr>
+              <a:spcBef>
+                <a:spcPct val="50000"/>
+              </a:spcBef>
+            </a:pPr>
+            <a:r>
+              <a:rPr lang="ja-JP" altLang="en-US" dirty="0"/>
+              <a:t>→</a:t>
+            </a:r>
+            <a:r>
+              <a:rPr lang="en-US" altLang="ja-JP" dirty="0"/>
+              <a:t>SRAC</a:t>
+            </a:r>
+            <a:r>
+              <a:rPr lang="ja-JP" altLang="en-US" dirty="0"/>
+              <a:t>の費用最小化点を通る</a:t>
+            </a:r>
+            <a:endParaRPr lang="en-US" altLang="ja-JP" dirty="0"/>
+          </a:p>
+          <a:p>
+            <a:pPr>
+              <a:spcBef>
+                <a:spcPct val="50000"/>
+              </a:spcBef>
+            </a:pPr>
+            <a:endParaRPr lang="ja-JP" altLang="en-US" dirty="0"/>
           </a:p>
         </p:txBody>
       </p:sp>
@@ -16277,7 +16410,9 @@
         </p:nvSpPr>
         <p:spPr/>
         <p:txBody>
-          <a:bodyPr/>
+          <a:bodyPr>
+            <a:normAutofit fontScale="85000" lnSpcReduction="10000"/>
+          </a:bodyPr>
           <a:lstStyle/>
           <a:p>
             <a:pPr>
@@ -16285,7 +16420,7 @@
               <a:buNone/>
             </a:pPr>
             <a:r>
-              <a:rPr lang="ja-JP" altLang="en-US" sz="2800"/>
+              <a:rPr lang="ja-JP" altLang="en-US" sz="2800" dirty="0"/>
               <a:t>最適な労働投入量</a:t>
             </a:r>
           </a:p>
@@ -16295,49 +16430,49 @@
               <a:buNone/>
             </a:pPr>
             <a:r>
-              <a:rPr lang="ja-JP" altLang="en-US" sz="2800" i="1">
+              <a:rPr lang="ja-JP" altLang="en-US" sz="2800" i="1" dirty="0">
                 <a:latin typeface="Times New Roman" pitchFamily="18" charset="0"/>
                 <a:cs typeface="Times New Roman" pitchFamily="18" charset="0"/>
               </a:rPr>
               <a:t>	</a:t>
             </a:r>
             <a:r>
-              <a:rPr lang="en-US" altLang="ja-JP" sz="2800" i="1">
+              <a:rPr lang="en-US" altLang="ja-JP" sz="2800" i="1" dirty="0">
                 <a:latin typeface="Times New Roman" pitchFamily="18" charset="0"/>
                 <a:cs typeface="Times New Roman" pitchFamily="18" charset="0"/>
               </a:rPr>
               <a:t>K</a:t>
             </a:r>
             <a:r>
-              <a:rPr lang="ja-JP" altLang="en-US" sz="2800">
+              <a:rPr lang="ja-JP" altLang="en-US" sz="2800" dirty="0">
                 <a:latin typeface="Times New Roman" pitchFamily="18" charset="0"/>
                 <a:cs typeface="Times New Roman" pitchFamily="18" charset="0"/>
               </a:rPr>
               <a:t>は固定</a:t>
             </a:r>
             <a:r>
-              <a:rPr lang="en-US" altLang="ja-JP" sz="2800">
+              <a:rPr lang="en-US" altLang="ja-JP" sz="2800" dirty="0">
                 <a:latin typeface="Times New Roman" pitchFamily="18" charset="0"/>
                 <a:cs typeface="Times New Roman" pitchFamily="18" charset="0"/>
               </a:rPr>
               <a:t>(=</a:t>
             </a:r>
             <a:r>
-              <a:rPr lang="en-US" altLang="ja-JP" sz="2800" i="1">
+              <a:rPr lang="en-US" altLang="ja-JP" sz="2800" i="1" dirty="0">
                 <a:latin typeface="Times New Roman" pitchFamily="18" charset="0"/>
                 <a:cs typeface="Times New Roman" pitchFamily="18" charset="0"/>
               </a:rPr>
               <a:t>K</a:t>
             </a:r>
             <a:r>
-              <a:rPr lang="en-US" altLang="ja-JP" sz="2800" baseline="-25000">
+              <a:rPr lang="en-US" altLang="ja-JP" sz="2800" baseline="-25000" dirty="0">
                 <a:latin typeface="Times New Roman" pitchFamily="18" charset="0"/>
                 <a:cs typeface="Times New Roman" pitchFamily="18" charset="0"/>
               </a:rPr>
               <a:t>0</a:t>
             </a:r>
             <a:r>
-              <a:rPr lang="en-US" altLang="ja-JP" sz="2800">
+              <a:rPr lang="en-US" altLang="ja-JP" sz="2800" dirty="0">
                 <a:latin typeface="Times New Roman" pitchFamily="18" charset="0"/>
                 <a:cs typeface="Times New Roman" pitchFamily="18" charset="0"/>
               </a:rPr>
@@ -16350,96 +16485,23 @@
               <a:buNone/>
             </a:pPr>
             <a:r>
-              <a:rPr lang="en-US" altLang="ja-JP" sz="2800">
-                <a:latin typeface="Symbol" pitchFamily="18" charset="2"/>
-                <a:cs typeface="Times New Roman" pitchFamily="18" charset="0"/>
-              </a:rPr>
-              <a:t>	p</a:t>
-            </a:r>
-            <a:r>
-              <a:rPr lang="en-US" altLang="ja-JP" sz="2800">
-                <a:latin typeface="Times New Roman" pitchFamily="18" charset="0"/>
-                <a:cs typeface="Times New Roman" pitchFamily="18" charset="0"/>
-              </a:rPr>
-              <a:t>=</a:t>
-            </a:r>
-            <a:r>
-              <a:rPr lang="en-US" altLang="ja-JP" sz="2800" i="1">
-                <a:latin typeface="Times New Roman" pitchFamily="18" charset="0"/>
-                <a:cs typeface="Times New Roman" pitchFamily="18" charset="0"/>
-              </a:rPr>
-              <a:t>pF</a:t>
-            </a:r>
-            <a:r>
-              <a:rPr lang="en-US" altLang="ja-JP" sz="2800">
-                <a:latin typeface="Times New Roman" pitchFamily="18" charset="0"/>
-                <a:cs typeface="Times New Roman" pitchFamily="18" charset="0"/>
-              </a:rPr>
-              <a:t>(</a:t>
-            </a:r>
-            <a:r>
-              <a:rPr lang="en-US" altLang="ja-JP" sz="2800" i="1">
-                <a:latin typeface="Times New Roman" pitchFamily="18" charset="0"/>
-                <a:cs typeface="Times New Roman" pitchFamily="18" charset="0"/>
-              </a:rPr>
-              <a:t>K</a:t>
-            </a:r>
-            <a:r>
-              <a:rPr lang="en-US" altLang="ja-JP" sz="2800" baseline="-25000">
-                <a:latin typeface="Times New Roman" pitchFamily="18" charset="0"/>
-                <a:cs typeface="Times New Roman" pitchFamily="18" charset="0"/>
-              </a:rPr>
-              <a:t>0</a:t>
-            </a:r>
-            <a:r>
-              <a:rPr lang="en-US" altLang="ja-JP" sz="2800">
-                <a:latin typeface="Times New Roman" pitchFamily="18" charset="0"/>
-                <a:cs typeface="Times New Roman" pitchFamily="18" charset="0"/>
-              </a:rPr>
-              <a:t>, </a:t>
-            </a:r>
-            <a:r>
-              <a:rPr lang="en-US" altLang="ja-JP" sz="2800" i="1">
-                <a:latin typeface="Times New Roman" pitchFamily="18" charset="0"/>
-                <a:cs typeface="Times New Roman" pitchFamily="18" charset="0"/>
-              </a:rPr>
-              <a:t>L</a:t>
-            </a:r>
-            <a:r>
-              <a:rPr lang="en-US" altLang="ja-JP" sz="2800">
-                <a:latin typeface="Times New Roman" pitchFamily="18" charset="0"/>
-                <a:cs typeface="Times New Roman" pitchFamily="18" charset="0"/>
-              </a:rPr>
-              <a:t>) – </a:t>
-            </a:r>
-            <a:r>
-              <a:rPr lang="en-US" altLang="ja-JP" sz="2800" i="1">
-                <a:latin typeface="Times New Roman" pitchFamily="18" charset="0"/>
-                <a:cs typeface="Times New Roman" pitchFamily="18" charset="0"/>
-              </a:rPr>
-              <a:t>wL </a:t>
-            </a:r>
-            <a:r>
-              <a:rPr lang="en-US" altLang="ja-JP" sz="2800">
-                <a:latin typeface="Times New Roman" pitchFamily="18" charset="0"/>
-                <a:cs typeface="Times New Roman" pitchFamily="18" charset="0"/>
-              </a:rPr>
-              <a:t>- </a:t>
-            </a:r>
-            <a:r>
-              <a:rPr lang="en-US" altLang="ja-JP" sz="2800" i="1">
-                <a:latin typeface="Times New Roman" pitchFamily="18" charset="0"/>
-                <a:cs typeface="Times New Roman" pitchFamily="18" charset="0"/>
-              </a:rPr>
-              <a:t>rK</a:t>
-            </a:r>
-            <a:r>
-              <a:rPr lang="en-US" altLang="ja-JP" sz="2800" baseline="-25000">
-                <a:latin typeface="Times New Roman" pitchFamily="18" charset="0"/>
-                <a:cs typeface="Times New Roman" pitchFamily="18" charset="0"/>
-              </a:rPr>
-              <a:t>0</a:t>
-            </a:r>
+              <a:rPr lang="en-US" altLang="ja-JP" sz="2800" dirty="0">
+                <a:latin typeface="Times New Roman" pitchFamily="18" charset="0"/>
+                <a:cs typeface="Times New Roman" pitchFamily="18" charset="0"/>
+              </a:rPr>
+              <a:t>w</a:t>
+            </a:r>
+            <a:r>
+              <a:rPr lang="ja-JP" altLang="en-US" sz="2800" dirty="0">
+                <a:latin typeface="Times New Roman" pitchFamily="18" charset="0"/>
+                <a:cs typeface="Times New Roman" pitchFamily="18" charset="0"/>
+              </a:rPr>
+              <a:t>が与えられた時にどれくらい労働を需要するのか</a:t>
+            </a:r>
+            <a:endParaRPr lang="en-US" altLang="ja-JP" sz="2800" dirty="0">
+              <a:latin typeface="Times New Roman" pitchFamily="18" charset="0"/>
+              <a:cs typeface="Times New Roman" pitchFamily="18" charset="0"/>
+            </a:endParaRPr>
           </a:p>
           <a:p>
             <a:pPr>
@@ -16447,11 +16509,102 @@
               <a:buNone/>
             </a:pPr>
             <a:r>
-              <a:rPr lang="ja-JP" altLang="en-US" sz="2800">
-                <a:latin typeface="Times New Roman" pitchFamily="18" charset="0"/>
-                <a:cs typeface="Times New Roman" pitchFamily="18" charset="0"/>
-              </a:rPr>
-              <a:t>利潤最大化の条件</a:t>
+              <a:rPr lang="en-US" altLang="ja-JP" sz="2800" dirty="0">
+                <a:latin typeface="Symbol" pitchFamily="18" charset="2"/>
+                <a:cs typeface="Times New Roman" pitchFamily="18" charset="0"/>
+              </a:rPr>
+              <a:t>	p</a:t>
+            </a:r>
+            <a:r>
+              <a:rPr lang="en-US" altLang="ja-JP" sz="2800" dirty="0">
+                <a:latin typeface="Times New Roman" pitchFamily="18" charset="0"/>
+                <a:cs typeface="Times New Roman" pitchFamily="18" charset="0"/>
+              </a:rPr>
+              <a:t>=</a:t>
+            </a:r>
+            <a:r>
+              <a:rPr lang="en-US" altLang="ja-JP" sz="2800" i="1" dirty="0">
+                <a:latin typeface="Times New Roman" pitchFamily="18" charset="0"/>
+                <a:cs typeface="Times New Roman" pitchFamily="18" charset="0"/>
+              </a:rPr>
+              <a:t>pF</a:t>
+            </a:r>
+            <a:r>
+              <a:rPr lang="en-US" altLang="ja-JP" sz="2800" dirty="0">
+                <a:latin typeface="Times New Roman" pitchFamily="18" charset="0"/>
+                <a:cs typeface="Times New Roman" pitchFamily="18" charset="0"/>
+              </a:rPr>
+              <a:t>(</a:t>
+            </a:r>
+            <a:r>
+              <a:rPr lang="en-US" altLang="ja-JP" sz="2800" i="1" dirty="0">
+                <a:latin typeface="Times New Roman" pitchFamily="18" charset="0"/>
+                <a:cs typeface="Times New Roman" pitchFamily="18" charset="0"/>
+              </a:rPr>
+              <a:t>K</a:t>
+            </a:r>
+            <a:r>
+              <a:rPr lang="en-US" altLang="ja-JP" sz="2800" baseline="-25000" dirty="0">
+                <a:latin typeface="Times New Roman" pitchFamily="18" charset="0"/>
+                <a:cs typeface="Times New Roman" pitchFamily="18" charset="0"/>
+              </a:rPr>
+              <a:t>0</a:t>
+            </a:r>
+            <a:r>
+              <a:rPr lang="en-US" altLang="ja-JP" sz="2800" dirty="0">
+                <a:latin typeface="Times New Roman" pitchFamily="18" charset="0"/>
+                <a:cs typeface="Times New Roman" pitchFamily="18" charset="0"/>
+              </a:rPr>
+              <a:t>, </a:t>
+            </a:r>
+            <a:r>
+              <a:rPr lang="en-US" altLang="ja-JP" sz="2800" i="1" dirty="0">
+                <a:latin typeface="Times New Roman" pitchFamily="18" charset="0"/>
+                <a:cs typeface="Times New Roman" pitchFamily="18" charset="0"/>
+              </a:rPr>
+              <a:t>L</a:t>
+            </a:r>
+            <a:r>
+              <a:rPr lang="en-US" altLang="ja-JP" sz="2800" dirty="0">
+                <a:latin typeface="Times New Roman" pitchFamily="18" charset="0"/>
+                <a:cs typeface="Times New Roman" pitchFamily="18" charset="0"/>
+              </a:rPr>
+              <a:t>) – </a:t>
+            </a:r>
+            <a:r>
+              <a:rPr lang="en-US" altLang="ja-JP" sz="2800" i="1" dirty="0" err="1">
+                <a:latin typeface="Times New Roman" pitchFamily="18" charset="0"/>
+                <a:cs typeface="Times New Roman" pitchFamily="18" charset="0"/>
+              </a:rPr>
+              <a:t>wL</a:t>
+            </a:r>
+            <a:r>
+              <a:rPr lang="en-US" altLang="ja-JP" sz="2800" i="1" dirty="0">
+                <a:latin typeface="Times New Roman" pitchFamily="18" charset="0"/>
+                <a:cs typeface="Times New Roman" pitchFamily="18" charset="0"/>
+              </a:rPr>
+              <a:t> </a:t>
+            </a:r>
+            <a:r>
+              <a:rPr lang="en-US" altLang="ja-JP" sz="2800" dirty="0">
+                <a:latin typeface="Times New Roman" pitchFamily="18" charset="0"/>
+                <a:cs typeface="Times New Roman" pitchFamily="18" charset="0"/>
+              </a:rPr>
+              <a:t>- </a:t>
+            </a:r>
+            <a:r>
+              <a:rPr lang="en-US" altLang="ja-JP" sz="2800" i="1" dirty="0">
+                <a:latin typeface="Times New Roman" pitchFamily="18" charset="0"/>
+                <a:cs typeface="Times New Roman" pitchFamily="18" charset="0"/>
+              </a:rPr>
+              <a:t>rK</a:t>
+            </a:r>
+            <a:r>
+              <a:rPr lang="en-US" altLang="ja-JP" sz="2800" baseline="-25000" dirty="0">
+                <a:latin typeface="Times New Roman" pitchFamily="18" charset="0"/>
+                <a:cs typeface="Times New Roman" pitchFamily="18" charset="0"/>
+              </a:rPr>
+              <a:t>0</a:t>
             </a:r>
           </a:p>
           <a:p>
@@ -16460,82 +16613,16 @@
               <a:buNone/>
             </a:pPr>
             <a:r>
-              <a:rPr lang="ja-JP" altLang="en-US" sz="2800">
-                <a:latin typeface="Times New Roman" pitchFamily="18" charset="0"/>
-                <a:cs typeface="Times New Roman" pitchFamily="18" charset="0"/>
-              </a:rPr>
-              <a:t>	</a:t>
-            </a:r>
-            <a:r>
-              <a:rPr lang="en-US" altLang="ja-JP" sz="2800" i="1">
-                <a:latin typeface="Times New Roman" pitchFamily="18" charset="0"/>
-                <a:cs typeface="Times New Roman" pitchFamily="18" charset="0"/>
-              </a:rPr>
-              <a:t>p MPL</a:t>
-            </a:r>
-            <a:r>
-              <a:rPr lang="en-US" altLang="ja-JP" sz="2800">
-                <a:latin typeface="Times New Roman" pitchFamily="18" charset="0"/>
-                <a:cs typeface="Times New Roman" pitchFamily="18" charset="0"/>
-              </a:rPr>
-              <a:t>=</a:t>
-            </a:r>
-            <a:r>
-              <a:rPr lang="en-US" altLang="ja-JP" sz="2800" i="1">
-                <a:latin typeface="Times New Roman" pitchFamily="18" charset="0"/>
-                <a:cs typeface="Times New Roman" pitchFamily="18" charset="0"/>
-              </a:rPr>
-              <a:t>w	</a:t>
-            </a:r>
-            <a:r>
-              <a:rPr lang="en-US" altLang="ja-JP" sz="2800">
-                <a:latin typeface="Times New Roman" pitchFamily="18" charset="0"/>
-                <a:cs typeface="Times New Roman" pitchFamily="18" charset="0"/>
-              </a:rPr>
-              <a:t>(</a:t>
-            </a:r>
-            <a:r>
-              <a:rPr lang="ja-JP" altLang="en-US" sz="2800">
-                <a:latin typeface="Times New Roman" pitchFamily="18" charset="0"/>
-                <a:cs typeface="Times New Roman" pitchFamily="18" charset="0"/>
-              </a:rPr>
-              <a:t>労働の限界生産物の価値</a:t>
-            </a:r>
-            <a:r>
-              <a:rPr lang="en-US" altLang="ja-JP" sz="2800">
-                <a:latin typeface="Times New Roman" pitchFamily="18" charset="0"/>
-                <a:cs typeface="Times New Roman" pitchFamily="18" charset="0"/>
-              </a:rPr>
-              <a:t>=</a:t>
-            </a:r>
-            <a:r>
-              <a:rPr lang="ja-JP" altLang="en-US" sz="2800">
-                <a:latin typeface="Times New Roman" pitchFamily="18" charset="0"/>
-                <a:cs typeface="Times New Roman" pitchFamily="18" charset="0"/>
-              </a:rPr>
-              <a:t>労働</a:t>
-            </a:r>
-            <a:r>
-              <a:rPr lang="en-US" altLang="ja-JP" sz="2800">
-                <a:latin typeface="Times New Roman" pitchFamily="18" charset="0"/>
-                <a:cs typeface="Times New Roman" pitchFamily="18" charset="0"/>
-              </a:rPr>
-              <a:t>1</a:t>
-            </a:r>
-            <a:r>
-              <a:rPr lang="ja-JP" altLang="en-US" sz="2800">
-                <a:latin typeface="Times New Roman" pitchFamily="18" charset="0"/>
-                <a:cs typeface="Times New Roman" pitchFamily="18" charset="0"/>
-              </a:rPr>
-              <a:t>単位の費用</a:t>
-            </a:r>
-            <a:r>
-              <a:rPr lang="en-US" altLang="ja-JP" sz="2800">
-                <a:latin typeface="Times New Roman" pitchFamily="18" charset="0"/>
-                <a:cs typeface="Times New Roman" pitchFamily="18" charset="0"/>
-              </a:rPr>
-              <a:t>)</a:t>
-            </a:r>
+              <a:rPr lang="ja-JP" altLang="en-US" sz="2800" dirty="0">
+                <a:latin typeface="Times New Roman" pitchFamily="18" charset="0"/>
+                <a:cs typeface="Times New Roman" pitchFamily="18" charset="0"/>
+              </a:rPr>
+              <a:t>利潤最大化の条件</a:t>
+            </a:r>
+            <a:endParaRPr lang="en-US" altLang="ja-JP" sz="2800" dirty="0">
+              <a:latin typeface="Times New Roman" pitchFamily="18" charset="0"/>
+              <a:cs typeface="Times New Roman" pitchFamily="18" charset="0"/>
+            </a:endParaRPr>
           </a:p>
           <a:p>
             <a:pPr>
@@ -16543,67 +16630,228 @@
               <a:buNone/>
             </a:pPr>
             <a:r>
-              <a:rPr lang="en-US" altLang="ja-JP" sz="2800" i="1">
+              <a:rPr lang="ja-JP" altLang="en-US" sz="2800" dirty="0">
+                <a:latin typeface="Times New Roman" pitchFamily="18" charset="0"/>
+                <a:cs typeface="Times New Roman" pitchFamily="18" charset="0"/>
+              </a:rPr>
+              <a:t>→企業は利潤を最大化するように動く</a:t>
+            </a:r>
+          </a:p>
+          <a:p>
+            <a:pPr>
+              <a:buFont typeface="Wingdings" pitchFamily="2" charset="2"/>
+              <a:buNone/>
+            </a:pPr>
+            <a:r>
+              <a:rPr lang="ja-JP" altLang="en-US" sz="2800" dirty="0">
+                <a:latin typeface="Times New Roman" pitchFamily="18" charset="0"/>
+                <a:cs typeface="Times New Roman" pitchFamily="18" charset="0"/>
+              </a:rPr>
+              <a:t>	</a:t>
+            </a:r>
+            <a:r>
+              <a:rPr lang="en-US" altLang="ja-JP" sz="2800" i="1" dirty="0">
+                <a:latin typeface="Times New Roman" pitchFamily="18" charset="0"/>
+                <a:cs typeface="Times New Roman" pitchFamily="18" charset="0"/>
+              </a:rPr>
+              <a:t>p MPL</a:t>
+            </a:r>
+            <a:r>
+              <a:rPr lang="en-US" altLang="ja-JP" sz="2800" dirty="0">
+                <a:latin typeface="Times New Roman" pitchFamily="18" charset="0"/>
+                <a:cs typeface="Times New Roman" pitchFamily="18" charset="0"/>
+              </a:rPr>
+              <a:t>=</a:t>
+            </a:r>
+            <a:r>
+              <a:rPr lang="en-US" altLang="ja-JP" sz="2800" i="1" dirty="0">
+                <a:latin typeface="Times New Roman" pitchFamily="18" charset="0"/>
+                <a:cs typeface="Times New Roman" pitchFamily="18" charset="0"/>
+              </a:rPr>
+              <a:t>w	</a:t>
+            </a:r>
+            <a:r>
+              <a:rPr lang="en-US" altLang="ja-JP" sz="2800" dirty="0">
+                <a:latin typeface="Times New Roman" pitchFamily="18" charset="0"/>
+                <a:cs typeface="Times New Roman" pitchFamily="18" charset="0"/>
+              </a:rPr>
+              <a:t>(</a:t>
+            </a:r>
+            <a:r>
+              <a:rPr lang="ja-JP" altLang="en-US" sz="2800" dirty="0">
+                <a:latin typeface="Times New Roman" pitchFamily="18" charset="0"/>
+                <a:cs typeface="Times New Roman" pitchFamily="18" charset="0"/>
+              </a:rPr>
+              <a:t>労働の限界生産物の価値</a:t>
+            </a:r>
+            <a:r>
+              <a:rPr lang="en-US" altLang="ja-JP" sz="2800" dirty="0">
+                <a:latin typeface="Times New Roman" pitchFamily="18" charset="0"/>
+                <a:cs typeface="Times New Roman" pitchFamily="18" charset="0"/>
+              </a:rPr>
+              <a:t>=</a:t>
+            </a:r>
+            <a:r>
+              <a:rPr lang="ja-JP" altLang="en-US" sz="2800" dirty="0">
+                <a:latin typeface="Times New Roman" pitchFamily="18" charset="0"/>
+                <a:cs typeface="Times New Roman" pitchFamily="18" charset="0"/>
+              </a:rPr>
+              <a:t>労働</a:t>
+            </a:r>
+            <a:r>
+              <a:rPr lang="en-US" altLang="ja-JP" sz="2800" dirty="0">
+                <a:latin typeface="Times New Roman" pitchFamily="18" charset="0"/>
+                <a:cs typeface="Times New Roman" pitchFamily="18" charset="0"/>
+              </a:rPr>
+              <a:t>1</a:t>
+            </a:r>
+            <a:r>
+              <a:rPr lang="ja-JP" altLang="en-US" sz="2800" dirty="0">
+                <a:latin typeface="Times New Roman" pitchFamily="18" charset="0"/>
+                <a:cs typeface="Times New Roman" pitchFamily="18" charset="0"/>
+              </a:rPr>
+              <a:t>単位の費用</a:t>
+            </a:r>
+            <a:r>
+              <a:rPr lang="en-US" altLang="ja-JP" sz="2800" dirty="0">
+                <a:latin typeface="Times New Roman" pitchFamily="18" charset="0"/>
+                <a:cs typeface="Times New Roman" pitchFamily="18" charset="0"/>
+              </a:rPr>
+              <a:t>)</a:t>
+            </a:r>
+          </a:p>
+          <a:p>
+            <a:pPr>
+              <a:buFont typeface="Wingdings" pitchFamily="2" charset="2"/>
+              <a:buNone/>
+            </a:pPr>
+            <a:r>
+              <a:rPr lang="en-US" altLang="ja-JP" sz="2800" i="1" dirty="0">
                 <a:latin typeface="Times New Roman" pitchFamily="18" charset="0"/>
                 <a:cs typeface="Times New Roman" pitchFamily="18" charset="0"/>
               </a:rPr>
               <a:t>	MPL</a:t>
             </a:r>
             <a:r>
-              <a:rPr lang="en-US" altLang="ja-JP" sz="2800">
+              <a:rPr lang="en-US" altLang="ja-JP" sz="2800" dirty="0">
                 <a:latin typeface="Times New Roman" pitchFamily="18" charset="0"/>
                 <a:cs typeface="Times New Roman" pitchFamily="18" charset="0"/>
               </a:rPr>
               <a:t>=</a:t>
             </a:r>
             <a:r>
-              <a:rPr lang="en-US" altLang="ja-JP" sz="2800" i="1">
+              <a:rPr lang="en-US" altLang="ja-JP" sz="2800" i="1" dirty="0">
                 <a:latin typeface="Times New Roman" pitchFamily="18" charset="0"/>
                 <a:cs typeface="Times New Roman" pitchFamily="18" charset="0"/>
               </a:rPr>
               <a:t>w</a:t>
             </a:r>
             <a:r>
-              <a:rPr lang="en-US" altLang="ja-JP" sz="2800">
+              <a:rPr lang="en-US" altLang="ja-JP" sz="2800" dirty="0">
                 <a:latin typeface="Times New Roman" pitchFamily="18" charset="0"/>
                 <a:cs typeface="Times New Roman" pitchFamily="18" charset="0"/>
               </a:rPr>
               <a:t>/</a:t>
             </a:r>
             <a:r>
-              <a:rPr lang="en-US" altLang="ja-JP" sz="2800" i="1">
+              <a:rPr lang="en-US" altLang="ja-JP" sz="2800" i="1" dirty="0">
                 <a:latin typeface="Times New Roman" pitchFamily="18" charset="0"/>
                 <a:cs typeface="Times New Roman" pitchFamily="18" charset="0"/>
               </a:rPr>
               <a:t>p	</a:t>
             </a:r>
             <a:r>
-              <a:rPr lang="en-US" altLang="ja-JP" sz="2800">
+              <a:rPr lang="en-US" altLang="ja-JP" sz="2800" dirty="0">
                 <a:latin typeface="Times New Roman" pitchFamily="18" charset="0"/>
                 <a:cs typeface="Times New Roman" pitchFamily="18" charset="0"/>
               </a:rPr>
               <a:t>(</a:t>
             </a:r>
             <a:r>
-              <a:rPr lang="ja-JP" altLang="en-US" sz="2800">
+              <a:rPr lang="ja-JP" altLang="en-US" sz="2800" dirty="0">
                 <a:latin typeface="Times New Roman" pitchFamily="18" charset="0"/>
                 <a:cs typeface="Times New Roman" pitchFamily="18" charset="0"/>
               </a:rPr>
               <a:t>労働の限界生産物</a:t>
             </a:r>
             <a:r>
-              <a:rPr lang="en-US" altLang="ja-JP" sz="2800">
+              <a:rPr lang="en-US" altLang="ja-JP" sz="2800" dirty="0">
                 <a:latin typeface="Times New Roman" pitchFamily="18" charset="0"/>
                 <a:cs typeface="Times New Roman" pitchFamily="18" charset="0"/>
               </a:rPr>
               <a:t>=</a:t>
             </a:r>
             <a:r>
-              <a:rPr lang="ja-JP" altLang="en-US" sz="2800">
+              <a:rPr lang="ja-JP" altLang="en-US" sz="2800" dirty="0">
                 <a:latin typeface="Times New Roman" pitchFamily="18" charset="0"/>
                 <a:cs typeface="Times New Roman" pitchFamily="18" charset="0"/>
               </a:rPr>
               <a:t>実質賃金）</a:t>
+            </a:r>
+            <a:endParaRPr lang="en-US" altLang="ja-JP" sz="2800" dirty="0">
+              <a:latin typeface="Times New Roman" pitchFamily="18" charset="0"/>
+              <a:cs typeface="Times New Roman" pitchFamily="18" charset="0"/>
+            </a:endParaRPr>
+          </a:p>
+          <a:p>
+            <a:pPr>
+              <a:buFont typeface="Wingdings" pitchFamily="2" charset="2"/>
+              <a:buNone/>
+            </a:pPr>
+            <a:r>
+              <a:rPr lang="ja-JP" altLang="en-US" sz="2800" dirty="0">
+                <a:latin typeface="Times New Roman" pitchFamily="18" charset="0"/>
+                <a:cs typeface="Times New Roman" pitchFamily="18" charset="0"/>
+              </a:rPr>
+              <a:t>→労働一単位あたりのコスト</a:t>
+            </a:r>
+            <a:endParaRPr lang="en-US" altLang="ja-JP" sz="2800" dirty="0">
+              <a:latin typeface="Times New Roman" pitchFamily="18" charset="0"/>
+              <a:cs typeface="Times New Roman" pitchFamily="18" charset="0"/>
+            </a:endParaRPr>
+          </a:p>
+          <a:p>
+            <a:pPr>
+              <a:buFont typeface="Wingdings" pitchFamily="2" charset="2"/>
+              <a:buNone/>
+            </a:pPr>
+            <a:r>
+              <a:rPr lang="en-US" altLang="ja-JP" sz="2800" dirty="0">
+                <a:latin typeface="Times New Roman" pitchFamily="18" charset="0"/>
+                <a:cs typeface="Times New Roman" pitchFamily="18" charset="0"/>
+              </a:rPr>
+              <a:t>	</a:t>
+            </a:r>
+            <a:r>
+              <a:rPr lang="ja-JP" altLang="en-US" sz="2800" dirty="0">
+                <a:latin typeface="Times New Roman" pitchFamily="18" charset="0"/>
+                <a:cs typeface="Times New Roman" pitchFamily="18" charset="0"/>
+              </a:rPr>
+              <a:t>→材の価格で割り算をする</a:t>
+            </a:r>
+            <a:endParaRPr lang="en-US" altLang="ja-JP" sz="2800" dirty="0">
+              <a:latin typeface="Times New Roman" pitchFamily="18" charset="0"/>
+              <a:cs typeface="Times New Roman" pitchFamily="18" charset="0"/>
+            </a:endParaRPr>
+          </a:p>
+          <a:p>
+            <a:pPr>
+              <a:buFont typeface="Wingdings" pitchFamily="2" charset="2"/>
+              <a:buNone/>
+            </a:pPr>
+            <a:r>
+              <a:rPr lang="en-US" altLang="ja-JP" sz="2800" dirty="0">
+                <a:latin typeface="Times New Roman" pitchFamily="18" charset="0"/>
+                <a:cs typeface="Times New Roman" pitchFamily="18" charset="0"/>
+              </a:rPr>
+              <a:t>		</a:t>
+            </a:r>
+            <a:r>
+              <a:rPr lang="ja-JP" altLang="en-US" sz="2800" dirty="0">
+                <a:latin typeface="Times New Roman" pitchFamily="18" charset="0"/>
+                <a:cs typeface="Times New Roman" pitchFamily="18" charset="0"/>
+              </a:rPr>
+              <a:t>→実質的なコスト</a:t>
             </a:r>
           </a:p>
         </p:txBody>
@@ -16645,12 +16893,36 @@
         </p:nvSpPr>
         <p:spPr/>
         <p:txBody>
-          <a:bodyPr/>
-          <a:lstStyle/>
-          <a:p>
-            <a:r>
-              <a:rPr lang="ja-JP" altLang="en-US"/>
+          <a:bodyPr>
+            <a:normAutofit fontScale="90000"/>
+          </a:bodyPr>
+          <a:lstStyle/>
+          <a:p>
+            <a:r>
+              <a:rPr lang="ja-JP" altLang="en-US" dirty="0"/>
               <a:t>労働の需要</a:t>
+            </a:r>
+            <a:br>
+              <a:rPr lang="en-US" altLang="ja-JP" dirty="0"/>
+            </a:br>
+            <a:r>
+              <a:rPr lang="ja-JP" altLang="en-US" dirty="0"/>
+              <a:t>→実質賃金</a:t>
+            </a:r>
+            <a:r>
+              <a:rPr lang="en-US" altLang="ja-JP" dirty="0"/>
+              <a:t>(w/p)</a:t>
+            </a:r>
+            <a:r>
+              <a:rPr lang="ja-JP" altLang="en-US" dirty="0"/>
+              <a:t>と最適な労働投入量を表している</a:t>
+            </a:r>
+            <a:br>
+              <a:rPr lang="en-US" altLang="ja-JP" dirty="0"/>
+            </a:br>
+            <a:r>
+              <a:rPr lang="ja-JP" altLang="en-US" dirty="0"/>
+              <a:t>→労働需要曲線</a:t>
             </a:r>
           </a:p>
         </p:txBody>
@@ -17445,8 +17717,8 @@
           </a:p>
         </p:txBody>
       </p:sp>
-      <mc:AlternateContent xmlns:mc="http://schemas.openxmlformats.org/markup-compatibility/2006" xmlns:a14="http://schemas.microsoft.com/office/drawing/2010/main">
-        <mc:Choice Requires="a14">
+      <mc:AlternateContent xmlns:mc="http://schemas.openxmlformats.org/markup-compatibility/2006">
+        <mc:Choice xmlns:a14="http://schemas.microsoft.com/office/drawing/2010/main" Requires="a14">
           <p:sp>
             <p:nvSpPr>
               <p:cNvPr id="3" name="コンテンツ プレースホルダー 2"/>
@@ -18059,6 +18331,12 @@
                   <a:rPr lang="ja-JP" altLang="en-US" dirty="0"/>
                   <a:t>生産要素価格の比率と技術的限界代替率の一致　</a:t>
                 </a:r>
+                <a:endParaRPr lang="en-US" altLang="ja-JP" dirty="0"/>
+              </a:p>
+              <a:p>
+                <a:pPr marL="0" indent="0">
+                  <a:buNone/>
+                </a:pPr>
                 <a:endParaRPr kumimoji="1" lang="en-US" altLang="ja-JP" dirty="0"/>
               </a:p>
               <a:p>
@@ -18070,7 +18348,7 @@
             </p:txBody>
           </p:sp>
         </mc:Choice>
-        <mc:Fallback xmlns="">
+        <mc:Fallback>
           <p:sp>
             <p:nvSpPr>
               <p:cNvPr id="3" name="コンテンツ プレースホルダー 2"/>
@@ -18085,7 +18363,7 @@
               <a:blipFill>
                 <a:blip r:embed="rId2"/>
                 <a:stretch>
-                  <a:fillRect l="-1407" t="-2695"/>
+                  <a:fillRect l="-1543" t="-2521"/>
                 </a:stretch>
               </a:blipFill>
             </p:spPr>
@@ -18094,7 +18372,7 @@
               <a:lstStyle/>
               <a:p>
                 <a:r>
-                  <a:rPr lang="ja-JP" altLang="en-US">
+                  <a:rPr lang="en-US">
                     <a:noFill/>
                   </a:rPr>
                   <a:t> </a:t>
@@ -18165,6 +18443,13 @@
             <a:r>
               <a:rPr lang="ja-JP" altLang="en-US" dirty="0"/>
               <a:t>一般的なケース</a:t>
+            </a:r>
+            <a:br>
+              <a:rPr lang="en-US" altLang="ja-JP" dirty="0"/>
+            </a:br>
+            <a:r>
+              <a:rPr lang="ja-JP" altLang="en-US" dirty="0"/>
+              <a:t>→生産関数を使って表している</a:t>
             </a:r>
             <a:endParaRPr kumimoji="1" lang="ja-JP" altLang="en-US" dirty="0"/>
           </a:p>
@@ -18782,7 +19067,9 @@
         </p:nvSpPr>
         <p:spPr/>
         <p:txBody>
-          <a:bodyPr/>
+          <a:bodyPr>
+            <a:normAutofit fontScale="92500" lnSpcReduction="20000"/>
+          </a:bodyPr>
           <a:lstStyle/>
           <a:p>
             <a:pPr>
@@ -18791,21 +19078,60 @@
               </a:lnSpc>
             </a:pPr>
             <a:r>
-              <a:rPr lang="en-US" altLang="ja-JP" sz="2400"/>
+              <a:rPr lang="en-US" altLang="ja-JP" sz="2400" dirty="0"/>
               <a:t>2</a:t>
             </a:r>
             <a:r>
-              <a:rPr lang="ja-JP" altLang="en-US" sz="2400"/>
+              <a:rPr lang="ja-JP" altLang="en-US" sz="2400" dirty="0"/>
               <a:t>種類の生産要素で</a:t>
             </a:r>
             <a:r>
-              <a:rPr lang="en-US" altLang="ja-JP" sz="2400"/>
+              <a:rPr lang="en-US" altLang="ja-JP" sz="2400" dirty="0"/>
               <a:t>1</a:t>
             </a:r>
             <a:r>
-              <a:rPr lang="ja-JP" altLang="en-US" sz="2400"/>
-              <a:t>種類の産出物を生産するケースを考える。</a:t>
-            </a:r>
+              <a:rPr lang="ja-JP" altLang="en-US" sz="2400" dirty="0"/>
+              <a:t>種類の産出物を生産するケースを考える。→①等費用線と等量曲線が接する場合</a:t>
+            </a:r>
+            <a:endParaRPr lang="en-US" altLang="ja-JP" sz="2400" dirty="0"/>
+          </a:p>
+          <a:p>
+            <a:pPr marL="0" indent="0">
+              <a:lnSpc>
+                <a:spcPct val="90000"/>
+              </a:lnSpc>
+              <a:buNone/>
+            </a:pPr>
+            <a:r>
+              <a:rPr lang="ja-JP" altLang="en-US" sz="2400" dirty="0"/>
+              <a:t>→傾きを求める</a:t>
+            </a:r>
+            <a:endParaRPr lang="en-US" altLang="ja-JP" sz="2400" dirty="0"/>
+          </a:p>
+          <a:p>
+            <a:pPr marL="0" indent="0">
+              <a:lnSpc>
+                <a:spcPct val="90000"/>
+              </a:lnSpc>
+              <a:buNone/>
+            </a:pPr>
+            <a:r>
+              <a:rPr lang="en-US" altLang="ja-JP" sz="2400" dirty="0"/>
+              <a:t>	</a:t>
+            </a:r>
+            <a:r>
+              <a:rPr lang="ja-JP" altLang="en-US" sz="2400" dirty="0"/>
+              <a:t>→</a:t>
+            </a:r>
+            <a:r>
+              <a:rPr lang="en-US" altLang="ja-JP" sz="2400" dirty="0"/>
+              <a:t>w</a:t>
+            </a:r>
+            <a:r>
+              <a:rPr lang="ja-JP" altLang="en-US" sz="2400" dirty="0"/>
+              <a:t>円、</a:t>
+            </a:r>
+            <a:endParaRPr lang="ja-JP" altLang="en-US" sz="1600" dirty="0"/>
           </a:p>
           <a:p>
             <a:pPr>
@@ -18814,16 +19140,32 @@
               </a:lnSpc>
             </a:pPr>
             <a:r>
-              <a:rPr lang="ja-JP" altLang="en-US" sz="2400"/>
+              <a:rPr lang="ja-JP" altLang="en-US" sz="2400" dirty="0"/>
               <a:t>全ての生産要素が可変的な場合，一定の産出量</a:t>
             </a:r>
             <a:r>
-              <a:rPr lang="en-US" altLang="ja-JP" sz="2400"/>
+              <a:rPr lang="en-US" altLang="ja-JP" sz="2400" dirty="0"/>
               <a:t>Q</a:t>
             </a:r>
             <a:r>
-              <a:rPr lang="ja-JP" altLang="en-US" sz="2400"/>
-              <a:t>を実現する場合の費用最小化の条件を述べよ。</a:t>
+              <a:rPr lang="ja-JP" altLang="en-US" sz="2400" dirty="0"/>
+              <a:t>を実現する場合の費用最小化の条件を述べよ。→②</a:t>
+            </a:r>
+            <a:r>
+              <a:rPr lang="en-US" altLang="ja-JP" sz="2400" dirty="0"/>
+              <a:t>w/r</a:t>
+            </a:r>
+            <a:r>
+              <a:rPr lang="ja-JP" altLang="en-US" sz="2400" dirty="0"/>
+              <a:t>と等量曲線の傾きが一致する</a:t>
+            </a:r>
+            <a:r>
+              <a:rPr lang="en-US" altLang="ja-JP" sz="2400" dirty="0"/>
+              <a:t>(3)</a:t>
+            </a:r>
+            <a:r>
+              <a:rPr lang="ja-JP" altLang="en-US" sz="2400" dirty="0"/>
+              <a:t>のグラフ</a:t>
             </a:r>
           </a:p>
           <a:p>
@@ -18833,9 +19175,18 @@
               </a:lnSpc>
             </a:pPr>
             <a:r>
-              <a:rPr lang="ja-JP" altLang="en-US" sz="2400"/>
-              <a:t>片方の生産要素が固定的な場合，限界費用はなぜ逓増するか。</a:t>
-            </a:r>
+              <a:rPr lang="ja-JP" altLang="en-US" sz="2400" dirty="0"/>
+              <a:t>片方の生産要素が固定的な場合，限界費用はなぜ逓増するか。→③</a:t>
+            </a:r>
+            <a:r>
+              <a:rPr lang="en-US" altLang="ja-JP" sz="2400" dirty="0"/>
+              <a:t>Q</a:t>
+            </a:r>
+            <a:r>
+              <a:rPr lang="ja-JP" altLang="en-US" sz="2400" dirty="0"/>
+              <a:t>を増やすに連れて追加的に必要になる労働投入量が増えていく</a:t>
+            </a:r>
+            <a:endParaRPr lang="ja-JP" altLang="en-US" sz="2000" dirty="0"/>
           </a:p>
           <a:p>
             <a:pPr>
@@ -18844,9 +19195,10 @@
               </a:lnSpc>
             </a:pPr>
             <a:r>
-              <a:rPr lang="ja-JP" altLang="en-US" sz="2400"/>
-              <a:t>短期平均費用曲線，短期限界費用曲線を描け。</a:t>
-            </a:r>
+              <a:rPr lang="ja-JP" altLang="en-US" sz="2400" dirty="0"/>
+              <a:t>短期平均費用曲線，短期限界費用曲線を描け。→④</a:t>
+            </a:r>
+            <a:endParaRPr lang="en-US" altLang="ja-JP" sz="2400" dirty="0"/>
           </a:p>
           <a:p>
             <a:pPr>
@@ -18855,9 +19207,14 @@
               </a:lnSpc>
             </a:pPr>
             <a:r>
-              <a:rPr lang="ja-JP" altLang="en-US" sz="2400"/>
-              <a:t>長期平均費用曲線と短期平均費用曲線の関係はどうなっているか。</a:t>
-            </a:r>
+              <a:rPr lang="ja-JP" altLang="en-US" sz="2400" dirty="0"/>
+              <a:t>長期平均費用曲線と短期平均費用曲線の関係はどうなっているか。→⑤</a:t>
+            </a:r>
+            <a:r>
+              <a:rPr lang="en-US" altLang="ja-JP" sz="2400" dirty="0"/>
+              <a:t>19Page</a:t>
+            </a:r>
+            <a:endParaRPr lang="ja-JP" altLang="en-US" sz="2400" dirty="0"/>
           </a:p>
           <a:p>
             <a:pPr>
@@ -18866,9 +19223,14 @@
               </a:lnSpc>
             </a:pPr>
             <a:r>
+              <a:rPr lang="ja-JP" altLang="en-US" sz="2400" dirty="0"/>
+              <a:t>労働の需要曲線はなぜ右下がりか。→⑥限界代替率逓減の理由から、実質賃金率、</a:t>
+            </a:r>
+            <a:r>
               <a:rPr lang="ja-JP" altLang="en-US" sz="2400"/>
-              <a:t>労働の需要曲線はなぜ右下がりか。</a:t>
-            </a:r>
+              <a:t>労働の限界生産物</a:t>
+            </a:r>
+            <a:endParaRPr lang="ja-JP" altLang="en-US" sz="2400" dirty="0"/>
           </a:p>
         </p:txBody>
       </p:sp>
